--- a/translations/en-us/beginner/MoveObject.pptx
+++ b/translations/en-us/beginner/MoveObject.pptx
@@ -221,7 +221,7 @@
           <a:p>
             <a:fld id="{E354B44E-40A3-0E46-B16A-9BF1250A248B}" type="datetimeFigureOut">
               <a:rPr lang="en-US" smtClean="0"/>
-              <a:t>7/4/16</a:t>
+              <a:t>7/19/16</a:t>
             </a:fld>
             <a:endParaRPr lang="en-US"/>
           </a:p>
@@ -387,7 +387,7 @@
           <a:p>
             <a:fld id="{C86AD16C-2DB4-6642-BAD4-9ED973A087A0}" type="datetimeFigureOut">
               <a:rPr lang="en-US" smtClean="0"/>
-              <a:t>7/4/16</a:t>
+              <a:t>7/19/16</a:t>
             </a:fld>
             <a:endParaRPr lang="en-US"/>
           </a:p>
@@ -1017,7 +1017,7 @@
           <a:p>
             <a:fld id="{4079049D-260D-7341-ACBB-7F6E88B670AF}" type="datetime1">
               <a:rPr lang="en-US" smtClean="0"/>
-              <a:t>7/4/16</a:t>
+              <a:t>7/19/16</a:t>
             </a:fld>
             <a:endParaRPr lang="en-US"/>
           </a:p>
@@ -1616,7 +1616,7 @@
           <a:p>
             <a:fld id="{D23FB13C-50E9-E247-B6CA-7FFE79A5F656}" type="datetime1">
               <a:rPr lang="en-US" smtClean="0"/>
-              <a:t>7/4/16</a:t>
+              <a:t>7/19/16</a:t>
             </a:fld>
             <a:endParaRPr lang="en-US"/>
           </a:p>
@@ -1800,7 +1800,7 @@
           <a:p>
             <a:fld id="{2240301C-C036-B244-8BEA-8C69B4259916}" type="datetime1">
               <a:rPr lang="en-US" smtClean="0"/>
-              <a:t>7/4/16</a:t>
+              <a:t>7/19/16</a:t>
             </a:fld>
             <a:endParaRPr lang="en-US"/>
           </a:p>
@@ -2017,7 +2017,7 @@
           <a:p>
             <a:fld id="{6D3B6815-494D-AC43-9B33-2F9570967BF1}" type="datetime1">
               <a:rPr lang="en-US" smtClean="0"/>
-              <a:t>7/4/16</a:t>
+              <a:t>7/19/16</a:t>
             </a:fld>
             <a:endParaRPr lang="en-US"/>
           </a:p>
@@ -2236,7 +2236,7 @@
           <a:noFill/>
           <a:extLst>
             <a:ext uri="{909E8E84-426E-40dd-AFC4-6F175D3DCCD1}">
-              <a14:hiddenFill xmlns="" xmlns:a14="http://schemas.microsoft.com/office/drawing/2010/main">
+              <a14:hiddenFill xmlns:a14="http://schemas.microsoft.com/office/drawing/2010/main" xmlns="">
                 <a:solidFill>
                   <a:srgbClr val="FFFFFF"/>
                 </a:solidFill>
@@ -2871,7 +2871,7 @@
           <a:p>
             <a:fld id="{8F36B86E-CFB1-CA4E-9DF9-B0CEC6E07421}" type="datetime1">
               <a:rPr lang="en-US" smtClean="0"/>
-              <a:t>7/4/16</a:t>
+              <a:t>7/19/16</a:t>
             </a:fld>
             <a:endParaRPr lang="en-US"/>
           </a:p>
@@ -3144,7 +3144,7 @@
           <a:p>
             <a:fld id="{CEB03A98-E1B0-3440-912D-EBE5F791588D}" type="datetime1">
               <a:rPr lang="en-US" smtClean="0"/>
-              <a:t>7/4/16</a:t>
+              <a:t>7/19/16</a:t>
             </a:fld>
             <a:endParaRPr lang="en-US"/>
           </a:p>
@@ -3449,7 +3449,7 @@
           <a:p>
             <a:fld id="{2AFAA2E9-D72B-AD48-AF1F-52A08EBA4303}" type="datetime1">
               <a:rPr lang="en-US" smtClean="0"/>
-              <a:t>7/4/16</a:t>
+              <a:t>7/19/16</a:t>
             </a:fld>
             <a:endParaRPr lang="en-US"/>
           </a:p>
@@ -3912,7 +3912,7 @@
           <a:p>
             <a:fld id="{962D5479-4DE8-6441-8AD0-9A685ACF12B8}" type="datetime1">
               <a:rPr lang="en-US" smtClean="0"/>
-              <a:t>7/4/16</a:t>
+              <a:t>7/19/16</a:t>
             </a:fld>
             <a:endParaRPr lang="en-US"/>
           </a:p>
@@ -4049,7 +4049,7 @@
           <a:p>
             <a:fld id="{66D21241-F89D-A94C-9EDF-69E3F40ABE0B}" type="datetime1">
               <a:rPr lang="en-US" smtClean="0"/>
-              <a:t>7/4/16</a:t>
+              <a:t>7/19/16</a:t>
             </a:fld>
             <a:endParaRPr lang="en-US"/>
           </a:p>
@@ -4163,7 +4163,7 @@
           <a:p>
             <a:fld id="{D3DC5F3B-56FA-F546-A574-CF6D118384F4}" type="datetime1">
               <a:rPr lang="en-US" smtClean="0"/>
-              <a:t>7/4/16</a:t>
+              <a:t>7/19/16</a:t>
             </a:fld>
             <a:endParaRPr lang="en-US"/>
           </a:p>
@@ -4422,7 +4422,7 @@
           <a:p>
             <a:fld id="{3BC196E9-40E7-7B40-BAB3-173E3286BBA4}" type="datetime1">
               <a:rPr lang="en-US" smtClean="0"/>
-              <a:t>7/4/16</a:t>
+              <a:t>7/19/16</a:t>
             </a:fld>
             <a:endParaRPr lang="en-US"/>
           </a:p>
@@ -4637,7 +4637,7 @@
           <a:p>
             <a:fld id="{2B4934FA-BB7E-FA4B-8587-3422606245F1}" type="datetime1">
               <a:rPr lang="en-US" smtClean="0"/>
-              <a:t>7/4/16</a:t>
+              <a:t>7/19/16</a:t>
             </a:fld>
             <a:endParaRPr lang="en-US"/>
           </a:p>
@@ -4922,7 +4922,7 @@
           <a:p>
             <a:fld id="{36F29019-D865-2D41-8B16-2696D9E9FF36}" type="datetime1">
               <a:rPr lang="en-US" smtClean="0"/>
-              <a:t>7/4/16</a:t>
+              <a:t>7/19/16</a:t>
             </a:fld>
             <a:endParaRPr lang="en-US"/>
           </a:p>
@@ -5192,7 +5192,7 @@
           <a:p>
             <a:fld id="{3869518C-F8F8-2041-85CC-55BAE734FAC4}" type="datetime1">
               <a:rPr lang="en-US" smtClean="0"/>
-              <a:t>7/4/16</a:t>
+              <a:t>7/19/16</a:t>
             </a:fld>
             <a:endParaRPr lang="en-US"/>
           </a:p>
@@ -5384,7 +5384,7 @@
           <a:p>
             <a:fld id="{D79CF100-C690-2548-A59E-01C6F77806AD}" type="datetime1">
               <a:rPr lang="en-US" smtClean="0"/>
-              <a:t>7/4/16</a:t>
+              <a:t>7/19/16</a:t>
             </a:fld>
             <a:endParaRPr lang="en-US"/>
           </a:p>
@@ -5588,7 +5588,7 @@
           <a:p>
             <a:fld id="{EA1ECE0B-6ABC-9D4A-9944-BE4084483D31}" type="datetime1">
               <a:rPr lang="en-US" smtClean="0"/>
-              <a:t>7/4/16</a:t>
+              <a:t>7/19/16</a:t>
             </a:fld>
             <a:endParaRPr lang="en-US"/>
           </a:p>
@@ -5762,7 +5762,7 @@
           <a:p>
             <a:fld id="{50808BD0-9C32-4C4B-B66B-306A9F13CF20}" type="datetime1">
               <a:rPr lang="en-US" smtClean="0"/>
-              <a:t>7/4/16</a:t>
+              <a:t>7/19/16</a:t>
             </a:fld>
             <a:endParaRPr lang="en-US"/>
           </a:p>
@@ -6012,7 +6012,7 @@
           <a:p>
             <a:fld id="{B81C913E-2851-A740-B3FD-F42F7400D340}" type="datetime1">
               <a:rPr lang="en-US" smtClean="0"/>
-              <a:t>7/4/16</a:t>
+              <a:t>7/19/16</a:t>
             </a:fld>
             <a:endParaRPr lang="en-US"/>
           </a:p>
@@ -6248,7 +6248,7 @@
           <a:p>
             <a:fld id="{53138FCE-A927-3844-9E3B-6083AB9AF783}" type="datetime1">
               <a:rPr lang="en-US" smtClean="0"/>
-              <a:t>7/4/16</a:t>
+              <a:t>7/19/16</a:t>
             </a:fld>
             <a:endParaRPr lang="en-US"/>
           </a:p>
@@ -6619,7 +6619,7 @@
           <a:p>
             <a:fld id="{589B6342-05E0-2B4D-B337-0AEB5C7EAB24}" type="datetime1">
               <a:rPr lang="en-US" smtClean="0"/>
-              <a:t>7/4/16</a:t>
+              <a:t>7/19/16</a:t>
             </a:fld>
             <a:endParaRPr lang="en-US"/>
           </a:p>
@@ -6741,7 +6741,7 @@
           <a:p>
             <a:fld id="{3737DE53-9418-984B-93FC-8DAE115B31D6}" type="datetime1">
               <a:rPr lang="en-US" smtClean="0"/>
-              <a:t>7/4/16</a:t>
+              <a:t>7/19/16</a:t>
             </a:fld>
             <a:endParaRPr lang="en-US"/>
           </a:p>
@@ -6840,7 +6840,7 @@
           <a:p>
             <a:fld id="{94564570-A037-2046-98C9-DB89177DA9ED}" type="datetime1">
               <a:rPr lang="en-US" smtClean="0"/>
-              <a:t>7/4/16</a:t>
+              <a:t>7/19/16</a:t>
             </a:fld>
             <a:endParaRPr lang="en-US"/>
           </a:p>
@@ -7098,7 +7098,7 @@
           <a:p>
             <a:fld id="{334090C8-B0EE-A244-98D0-35D20CF27A35}" type="datetime1">
               <a:rPr lang="en-US" smtClean="0"/>
-              <a:t>7/4/16</a:t>
+              <a:t>7/19/16</a:t>
             </a:fld>
             <a:endParaRPr lang="en-US"/>
           </a:p>
@@ -7379,7 +7379,7 @@
           <a:p>
             <a:fld id="{F63AA431-089C-8B4C-A74D-9FDFCF7A4A50}" type="datetime1">
               <a:rPr lang="en-US" smtClean="0"/>
-              <a:t>7/4/16</a:t>
+              <a:t>7/19/16</a:t>
             </a:fld>
             <a:endParaRPr lang="en-US"/>
           </a:p>
@@ -7640,7 +7640,7 @@
           <a:p>
             <a:fld id="{ADA3F11B-1739-D449-BD5E-3D05E6951917}" type="datetime1">
               <a:rPr lang="en-US" smtClean="0"/>
-              <a:t>7/4/16</a:t>
+              <a:t>7/19/16</a:t>
             </a:fld>
             <a:endParaRPr lang="en-US"/>
           </a:p>
@@ -7814,7 +7814,7 @@
           <a:p>
             <a:fld id="{F50FABB1-8177-344A-9D50-C38771FF47C7}" type="datetime1">
               <a:rPr lang="en-US" smtClean="0"/>
-              <a:t>7/4/16</a:t>
+              <a:t>7/19/16</a:t>
             </a:fld>
             <a:endParaRPr lang="en-US"/>
           </a:p>
@@ -7998,7 +7998,7 @@
           <a:p>
             <a:fld id="{64568BC6-E711-6D40-AB8F-60352FB91331}" type="datetime1">
               <a:rPr lang="en-US" smtClean="0"/>
-              <a:t>7/4/16</a:t>
+              <a:t>7/19/16</a:t>
             </a:fld>
             <a:endParaRPr lang="en-US"/>
           </a:p>
@@ -8295,7 +8295,7 @@
           <a:p>
             <a:fld id="{4A217A00-D458-E548-BA55-8E7DD7AEB72C}" type="datetime1">
               <a:rPr lang="en-US" smtClean="0"/>
-              <a:t>7/4/16</a:t>
+              <a:t>7/19/16</a:t>
             </a:fld>
             <a:endParaRPr lang="en-US"/>
           </a:p>
@@ -8743,7 +8743,7 @@
           <a:p>
             <a:fld id="{3B8D6C54-E6E7-A646-88ED-0E29FF59BEF7}" type="datetime1">
               <a:rPr lang="en-US" smtClean="0"/>
-              <a:t>7/4/16</a:t>
+              <a:t>7/19/16</a:t>
             </a:fld>
             <a:endParaRPr lang="en-US"/>
           </a:p>
@@ -8865,7 +8865,7 @@
           <a:p>
             <a:fld id="{5511632D-9F04-504B-9AAB-DF12FBEEFF0F}" type="datetime1">
               <a:rPr lang="en-US" smtClean="0"/>
-              <a:t>7/4/16</a:t>
+              <a:t>7/19/16</a:t>
             </a:fld>
             <a:endParaRPr lang="en-US"/>
           </a:p>
@@ -8964,7 +8964,7 @@
           <a:p>
             <a:fld id="{8A737330-94DB-DB4A-AE39-2D4C6E03B34B}" type="datetime1">
               <a:rPr lang="en-US" smtClean="0"/>
-              <a:t>7/4/16</a:t>
+              <a:t>7/19/16</a:t>
             </a:fld>
             <a:endParaRPr lang="en-US"/>
           </a:p>
@@ -9215,7 +9215,7 @@
           <a:p>
             <a:fld id="{BC1032C1-C631-FC47-BD14-B0D0AE380CAE}" type="datetime1">
               <a:rPr lang="en-US" smtClean="0"/>
-              <a:t>7/4/16</a:t>
+              <a:t>7/19/16</a:t>
             </a:fld>
             <a:endParaRPr lang="en-US"/>
           </a:p>
@@ -9518,7 +9518,7 @@
           <a:p>
             <a:fld id="{F5032A17-01AF-B84B-A814-B012C11277F9}" type="datetime1">
               <a:rPr lang="en-US" smtClean="0"/>
-              <a:t>7/4/16</a:t>
+              <a:t>7/19/16</a:t>
             </a:fld>
             <a:endParaRPr lang="en-US"/>
           </a:p>
@@ -9821,7 +9821,7 @@
           <a:p>
             <a:fld id="{63D44B9E-AC04-6549-B7EE-7B0A41CF751B}" type="datetime1">
               <a:rPr lang="en-US" smtClean="0"/>
-              <a:t>7/4/16</a:t>
+              <a:t>7/19/16</a:t>
             </a:fld>
             <a:endParaRPr lang="en-US"/>
           </a:p>
@@ -10774,7 +10774,7 @@
           <a:p>
             <a:fld id="{692EBBD4-7984-D84D-B013-2DE21F9AA31A}" type="datetime1">
               <a:rPr lang="en-US" smtClean="0"/>
-              <a:t>7/4/16</a:t>
+              <a:t>7/19/16</a:t>
             </a:fld>
             <a:endParaRPr lang="en-US"/>
           </a:p>
@@ -11842,7 +11842,7 @@
           <a:p>
             <a:fld id="{9551B5F9-1EB9-5146-A0A2-D543FBB3141E}" type="datetime1">
               <a:rPr lang="en-US" smtClean="0"/>
-              <a:t>7/4/16</a:t>
+              <a:t>7/19/16</a:t>
             </a:fld>
             <a:endParaRPr lang="en-US"/>
           </a:p>
@@ -12299,6 +12299,35 @@
           </a:p>
         </p:txBody>
       </p:sp>
+      <p:pic>
+        <p:nvPicPr>
+          <p:cNvPr id="4" name="Picture 3"/>
+          <p:cNvPicPr>
+            <a:picLocks noChangeAspect="1"/>
+          </p:cNvPicPr>
+          <p:nvPr/>
+        </p:nvPicPr>
+        <p:blipFill rotWithShape="1">
+          <a:blip r:embed="rId2">
+            <a:extLst>
+              <a:ext uri="{28A0092B-C50C-407E-A947-70E740481C1C}">
+                <a14:useLocalDpi xmlns:a14="http://schemas.microsoft.com/office/drawing/2010/main" val="0"/>
+              </a:ext>
+            </a:extLst>
+          </a:blip>
+          <a:srcRect l="4523" t="17619" r="3095" b="25000"/>
+          <a:stretch/>
+        </p:blipFill>
+        <p:spPr>
+          <a:xfrm>
+            <a:off x="3711108" y="4592409"/>
+            <a:ext cx="1700816" cy="1056435"/>
+          </a:xfrm>
+          <a:prstGeom prst="rect">
+            <a:avLst/>
+          </a:prstGeom>
+        </p:spPr>
+      </p:pic>
     </p:spTree>
     <p:extLst>
       <p:ext uri="{BB962C8B-B14F-4D97-AF65-F5344CB8AC3E}">
@@ -16194,7 +16223,7 @@
           <a:effectLst/>
           <a:extLst>
             <a:ext uri="{91240B29-F687-4f45-9708-019B960494DF}">
-              <a14:hiddenLine xmlns:a14="http://schemas.microsoft.com/office/drawing/2010/main" xmlns="" w="9525">
+              <a14:hiddenLine xmlns="" xmlns:a14="http://schemas.microsoft.com/office/drawing/2010/main" w="9525">
                 <a:solidFill>
                   <a:schemeClr val="tx1"/>
                 </a:solidFill>
@@ -16204,7 +16233,7 @@
               </a14:hiddenLine>
             </a:ext>
             <a:ext uri="{AF507438-7753-43e0-B8FC-AC1667EBCBE1}">
-              <a14:hiddenEffects xmlns:a14="http://schemas.microsoft.com/office/drawing/2010/main" xmlns="">
+              <a14:hiddenEffects xmlns="" xmlns:a14="http://schemas.microsoft.com/office/drawing/2010/main">
                 <a:effectLst>
                   <a:outerShdw dist="35921" dir="2700000" algn="ctr" rotWithShape="0">
                     <a:schemeClr val="bg2"/>
@@ -16557,7 +16586,7 @@
           <a:noFill/>
           <a:extLst>
             <a:ext uri="{909E8E84-426E-40dd-AFC4-6F175D3DCCD1}">
-              <a14:hiddenFill xmlns:a14="http://schemas.microsoft.com/office/drawing/2010/main" xmlns="">
+              <a14:hiddenFill xmlns="" xmlns:a14="http://schemas.microsoft.com/office/drawing/2010/main">
                 <a:solidFill>
                   <a:srgbClr val="FFFFFF"/>
                 </a:solidFill>
